--- a/Appathon/092020 Appathon.pptx
+++ b/Appathon/092020 Appathon.pptx
@@ -116,6 +116,11 @@
       </a:defRPr>
     </a:lvl9pPr>
   </p:defaultTextStyle>
+  <p:extLst>
+    <p:ext uri="{EFAFB233-063F-42B5-8137-9DF3F51BA10A}">
+      <p15:sldGuideLst xmlns:p15="http://schemas.microsoft.com/office/powerpoint/2012/main"/>
+    </p:ext>
+  </p:extLst>
 </p:presentation>
 </file>
 
@@ -306,7 +311,7 @@
             <a:fld id="{8994394A-E95D-49DE-8614-F37E1FCF0AC3}" type="datetime2">
               <a:rPr lang="en-US" smtClean="0"/>
               <a:pPr/>
-              <a:t>Wednesday, 16 September, 2020</a:t>
+              <a:t>Saturday, 19 September, 2020</a:t>
             </a:fld>
             <a:endParaRPr lang="en-US" dirty="0"/>
           </a:p>
@@ -646,7 +651,7 @@
             <a:fld id="{6D51179E-60E8-4F2A-A3F9-6F3CE2ABCAF9}" type="datetime2">
               <a:rPr lang="en-US" smtClean="0"/>
               <a:pPr/>
-              <a:t>Wednesday, 16 September, 2020</a:t>
+              <a:t>Saturday, 19 September, 2020</a:t>
             </a:fld>
             <a:endParaRPr lang="en-US" dirty="0">
               <a:latin typeface="+mn-lt"/>
@@ -994,7 +999,7 @@
           <a:p>
             <a:fld id="{1C32B061-4DDF-403A-A7DB-3B6FD0BE9165}" type="datetime2">
               <a:rPr lang="en-US" smtClean="0"/>
-              <a:t>Wednesday, 16 September, 2020</a:t>
+              <a:t>Saturday, 19 September, 2020</a:t>
             </a:fld>
             <a:endParaRPr lang="en-US" dirty="0"/>
           </a:p>
@@ -1400,7 +1405,7 @@
             <a:fld id="{58D82CC3-100B-41FC-9DB0-99A6D4849F72}" type="datetime2">
               <a:rPr lang="en-US" smtClean="0"/>
               <a:pPr/>
-              <a:t>Wednesday, 16 September, 2020</a:t>
+              <a:t>Saturday, 19 September, 2020</a:t>
             </a:fld>
             <a:endParaRPr lang="en-US" dirty="0">
               <a:latin typeface="+mn-lt"/>
@@ -1798,7 +1803,7 @@
           <a:p>
             <a:fld id="{3E58FDCC-AC46-4D9F-98DC-C163BFA43704}" type="datetime2">
               <a:rPr lang="en-US" smtClean="0"/>
-              <a:t>Wednesday, 16 September, 2020</a:t>
+              <a:t>Saturday, 19 September, 2020</a:t>
             </a:fld>
             <a:endParaRPr lang="en-US" dirty="0"/>
           </a:p>
@@ -2179,7 +2184,7 @@
           <a:p>
             <a:fld id="{45832F11-C374-493A-BB7E-11B09A67FAD0}" type="datetime2">
               <a:rPr lang="en-US" smtClean="0"/>
-              <a:t>Wednesday, 16 September, 2020</a:t>
+              <a:t>Saturday, 19 September, 2020</a:t>
             </a:fld>
             <a:endParaRPr lang="en-US" dirty="0"/>
           </a:p>
@@ -2706,7 +2711,7 @@
           <a:p>
             <a:fld id="{5136546C-EE55-422E-9D57-50E6C4234F80}" type="datetime2">
               <a:rPr lang="en-US" smtClean="0"/>
-              <a:t>Wednesday, 16 September, 2020</a:t>
+              <a:t>Saturday, 19 September, 2020</a:t>
             </a:fld>
             <a:endParaRPr lang="en-US" dirty="0"/>
           </a:p>
@@ -2960,7 +2965,7 @@
             <a:fld id="{83685C8A-A1A1-423D-82D7-1ACC187CCA77}" type="datetime2">
               <a:rPr lang="en-US" smtClean="0"/>
               <a:pPr/>
-              <a:t>Wednesday, 16 September, 2020</a:t>
+              <a:t>Saturday, 19 September, 2020</a:t>
             </a:fld>
             <a:endParaRPr lang="en-US" dirty="0">
               <a:latin typeface="+mn-lt"/>
@@ -3190,7 +3195,7 @@
             <a:fld id="{325DF798-D264-4BC9-8824-70A25106E4C6}" type="datetime2">
               <a:rPr lang="en-US" smtClean="0"/>
               <a:pPr/>
-              <a:t>Wednesday, 16 September, 2020</a:t>
+              <a:t>Saturday, 19 September, 2020</a:t>
             </a:fld>
             <a:endParaRPr lang="en-US" dirty="0">
               <a:latin typeface="+mn-lt"/>
@@ -3674,7 +3679,7 @@
           <a:p>
             <a:fld id="{29ACAD25-C1CF-4F11-8692-066E6505443C}" type="datetime2">
               <a:rPr lang="en-US" smtClean="0"/>
-              <a:t>Wednesday, 16 September, 2020</a:t>
+              <a:t>Saturday, 19 September, 2020</a:t>
             </a:fld>
             <a:endParaRPr lang="en-US" dirty="0"/>
           </a:p>
@@ -4080,7 +4085,7 @@
           <a:p>
             <a:fld id="{91688A1C-01B8-42B6-BBF1-2BCF5E311248}" type="datetime2">
               <a:rPr lang="en-US" smtClean="0"/>
-              <a:t>Wednesday, 16 September, 2020</a:t>
+              <a:t>Saturday, 19 September, 2020</a:t>
             </a:fld>
             <a:endParaRPr lang="en-US" dirty="0"/>
           </a:p>
@@ -4410,7 +4415,7 @@
             <a:fld id="{6C03BBDD-218C-4B2A-98A0-F5F369754705}" type="datetime2">
               <a:rPr lang="en-US" smtClean="0"/>
               <a:pPr/>
-              <a:t>Wednesday, 16 September, 2020</a:t>
+              <a:t>Saturday, 19 September, 2020</a:t>
             </a:fld>
             <a:endParaRPr lang="en-US" dirty="0">
               <a:latin typeface="+mn-lt"/>
@@ -5203,7 +5208,7 @@
             <a:pPr lvl="1"/>
             <a:r>
               <a:rPr lang="en-US" dirty="0"/>
-              <a:t>The user can see the products they have added to your cart</a:t>
+              <a:t>The user can see the products, they have added to their cart</a:t>
             </a:r>
           </a:p>
           <a:p>
@@ -5217,14 +5222,14 @@
             <a:pPr lvl="1"/>
             <a:r>
               <a:rPr lang="en-US" dirty="0"/>
-              <a:t>The user can add a voucher code which applies a discount to the products</a:t>
+              <a:t>The user can add a voucher code, which applies a discount to the products</a:t>
             </a:r>
           </a:p>
           <a:p>
             <a:pPr lvl="1"/>
             <a:r>
               <a:rPr lang="en-US" dirty="0"/>
-              <a:t>The use can choose their country from the list of countries to apply the proper VAT (by default the first country is selected)</a:t>
+              <a:t>The user can choose their country from the list of countries to apply the proper VAT (by default the first country is selected)</a:t>
             </a:r>
           </a:p>
         </p:txBody>
@@ -5310,13 +5315,13 @@
           <a:p>
             <a:r>
               <a:rPr lang="en-US" dirty="0"/>
-              <a:t>After placing a order the order is saved in the database along with the order items (thing the user bought)</a:t>
+              <a:t>After placing an order the order is saved in the database along with the order items</a:t>
             </a:r>
           </a:p>
           <a:p>
             <a:r>
               <a:rPr lang="en-US" dirty="0"/>
-              <a:t>A order_&lt;</a:t>
+              <a:t>An order_&lt;</a:t>
             </a:r>
             <a:r>
               <a:rPr lang="en-US" dirty="0" err="1"/>
@@ -5546,7 +5551,15 @@
           <a:p>
             <a:r>
               <a:rPr lang="en-US" dirty="0"/>
-              <a:t>If non logged in user tries to access them they will get redirected to the login page</a:t>
+              <a:t>If non logged in user tries to access them</a:t>
+            </a:r>
+            <a:r>
+              <a:rPr lang="en-US"/>
+              <a:t>, they </a:t>
+            </a:r>
+            <a:r>
+              <a:rPr lang="en-US" dirty="0"/>
+              <a:t>will get redirected to the login page</a:t>
             </a:r>
           </a:p>
         </p:txBody>
@@ -5630,7 +5643,7 @@
           <a:bodyPr/>
           <a:lstStyle/>
           <a:p>
-            <a:endParaRPr lang="en-US"/>
+            <a:endParaRPr lang="en-US" dirty="0"/>
           </a:p>
         </p:txBody>
       </p:sp>
@@ -6004,8 +6017,8 @@
           </a:graphicData>
         </a:graphic>
       </p:graphicFrame>
-      <mc:AlternateContent xmlns:mc="http://schemas.openxmlformats.org/markup-compatibility/2006">
-        <mc:Choice xmlns:a14="http://schemas.microsoft.com/office/drawing/2010/main" Requires="a14">
+      <mc:AlternateContent xmlns:mc="http://schemas.openxmlformats.org/markup-compatibility/2006" xmlns:a14="http://schemas.microsoft.com/office/drawing/2010/main">
+        <mc:Choice Requires="a14">
           <p:graphicFrame>
             <p:nvGraphicFramePr>
               <p:cNvPr id="13" name="Table 12">
@@ -6172,7 +6185,7 @@
             </a:graphic>
           </p:graphicFrame>
         </mc:Choice>
-        <mc:Fallback>
+        <mc:Fallback xmlns="">
           <p:graphicFrame>
             <p:nvGraphicFramePr>
               <p:cNvPr id="13" name="Table 12">
@@ -6312,8 +6325,8 @@
           </p:graphicFrame>
         </mc:Fallback>
       </mc:AlternateContent>
-      <mc:AlternateContent xmlns:mc="http://schemas.openxmlformats.org/markup-compatibility/2006">
-        <mc:Choice xmlns:a14="http://schemas.microsoft.com/office/drawing/2010/main" Requires="a14">
+      <mc:AlternateContent xmlns:mc="http://schemas.openxmlformats.org/markup-compatibility/2006" xmlns:a14="http://schemas.microsoft.com/office/drawing/2010/main">
+        <mc:Choice Requires="a14">
           <p:graphicFrame>
             <p:nvGraphicFramePr>
               <p:cNvPr id="15" name="Table 14">
@@ -6336,7 +6349,7 @@
             </p:nvGraphicFramePr>
             <p:xfrm>
               <a:off x="8935842" y="3300541"/>
-              <a:ext cx="1333063" cy="1778000"/>
+              <a:ext cx="1333063" cy="1986280"/>
             </p:xfrm>
             <a:graphic>
               <a:graphicData uri="http://schemas.openxmlformats.org/drawingml/2006/table">
@@ -6497,7 +6510,7 @@
             </a:graphic>
           </p:graphicFrame>
         </mc:Choice>
-        <mc:Fallback>
+        <mc:Fallback xmlns="">
           <p:graphicFrame>
             <p:nvGraphicFramePr>
               <p:cNvPr id="15" name="Table 14">
@@ -7770,7 +7783,7 @@
           <a:p>
             <a:r>
               <a:rPr lang="en-US" dirty="0"/>
-              <a:t>The holds the following information:</a:t>
+              <a:t>The session holds the following information:</a:t>
             </a:r>
           </a:p>
           <a:p>
@@ -7927,7 +7940,7 @@
             <a:pPr lvl="1"/>
             <a:r>
               <a:rPr lang="en-US" dirty="0"/>
-              <a:t>If the user submits a non-existing username the get redirected to registration page where the username field is pre-filled</a:t>
+              <a:t>If the user submits a non-existing username, they get redirected to the registration page, where the username field is pre-filled</a:t>
             </a:r>
           </a:p>
           <a:p>
@@ -8118,7 +8131,7 @@
             <a:pPr lvl="1"/>
             <a:r>
               <a:rPr lang="en-US" dirty="0"/>
-              <a:t>The user can update their full name or the date of birth. (the field are already pre-filled with their current information)</a:t>
+              <a:t>The user can update their full name or their date of birth. (the field are already pre-filled with their current information)</a:t>
             </a:r>
           </a:p>
         </p:txBody>
@@ -8232,13 +8245,8 @@
             <a:pPr lvl="1"/>
             <a:r>
               <a:rPr lang="en-US" dirty="0"/>
-              <a:t>The user can see the available </a:t>
-            </a:r>
-            <a:r>
-              <a:rPr lang="en-US" dirty="0" err="1"/>
-              <a:t>producs</a:t>
-            </a:r>
-            <a:endParaRPr lang="en-US" dirty="0"/>
+              <a:t>The user can see the available products</a:t>
+            </a:r>
           </a:p>
           <a:p>
             <a:pPr lvl="1"/>
@@ -8251,7 +8259,7 @@
             <a:pPr lvl="1"/>
             <a:r>
               <a:rPr lang="en-US" dirty="0"/>
-              <a:t>By pressing the Add to cart button they can the product to their cart</a:t>
+              <a:t>By pressing the Add to cart button they can add the product to their cart</a:t>
             </a:r>
           </a:p>
         </p:txBody>
